--- a/OTHER/AlgorithmsDS/DataStructures/linkedlist.pptx
+++ b/OTHER/AlgorithmsDS/DataStructures/linkedlist.pptx
@@ -378,7 +378,7 @@
           <a:p>
             <a:fld id="{432453BA-0569-40C3-A706-DBA2E5C1A0FB}" type="datetimeFigureOut">
               <a:rPr lang="en-US" smtClean="0"/>
-              <a:t>7/18/2016</a:t>
+              <a:t>1/13/2020</a:t>
             </a:fld>
             <a:endParaRPr lang="en-US"/>
           </a:p>
@@ -653,7 +653,7 @@
           <a:p>
             <a:fld id="{432453BA-0569-40C3-A706-DBA2E5C1A0FB}" type="datetimeFigureOut">
               <a:rPr lang="en-US" smtClean="0"/>
-              <a:t>7/18/2016</a:t>
+              <a:t>1/13/2020</a:t>
             </a:fld>
             <a:endParaRPr lang="en-US"/>
           </a:p>
@@ -847,7 +847,7 @@
           <a:p>
             <a:fld id="{432453BA-0569-40C3-A706-DBA2E5C1A0FB}" type="datetimeFigureOut">
               <a:rPr lang="en-US" smtClean="0"/>
-              <a:t>7/18/2016</a:t>
+              <a:t>1/13/2020</a:t>
             </a:fld>
             <a:endParaRPr lang="en-US"/>
           </a:p>
@@ -1120,7 +1120,7 @@
           <a:p>
             <a:fld id="{432453BA-0569-40C3-A706-DBA2E5C1A0FB}" type="datetimeFigureOut">
               <a:rPr lang="en-US" smtClean="0"/>
-              <a:t>7/18/2016</a:t>
+              <a:t>1/13/2020</a:t>
             </a:fld>
             <a:endParaRPr lang="en-US"/>
           </a:p>
@@ -1461,7 +1461,7 @@
           <a:p>
             <a:fld id="{432453BA-0569-40C3-A706-DBA2E5C1A0FB}" type="datetimeFigureOut">
               <a:rPr lang="en-US" smtClean="0"/>
-              <a:t>7/18/2016</a:t>
+              <a:t>1/13/2020</a:t>
             </a:fld>
             <a:endParaRPr lang="en-US"/>
           </a:p>
@@ -2084,7 +2084,7 @@
           <a:p>
             <a:fld id="{432453BA-0569-40C3-A706-DBA2E5C1A0FB}" type="datetimeFigureOut">
               <a:rPr lang="en-US" smtClean="0"/>
-              <a:t>7/18/2016</a:t>
+              <a:t>1/13/2020</a:t>
             </a:fld>
             <a:endParaRPr lang="en-US"/>
           </a:p>
@@ -2944,7 +2944,7 @@
           <a:p>
             <a:fld id="{432453BA-0569-40C3-A706-DBA2E5C1A0FB}" type="datetimeFigureOut">
               <a:rPr lang="en-US" smtClean="0"/>
-              <a:t>7/18/2016</a:t>
+              <a:t>1/13/2020</a:t>
             </a:fld>
             <a:endParaRPr lang="en-US"/>
           </a:p>
@@ -3114,7 +3114,7 @@
           <a:p>
             <a:fld id="{432453BA-0569-40C3-A706-DBA2E5C1A0FB}" type="datetimeFigureOut">
               <a:rPr lang="en-US" smtClean="0"/>
-              <a:t>7/18/2016</a:t>
+              <a:t>1/13/2020</a:t>
             </a:fld>
             <a:endParaRPr lang="en-US"/>
           </a:p>
@@ -3294,7 +3294,7 @@
           <a:p>
             <a:fld id="{432453BA-0569-40C3-A706-DBA2E5C1A0FB}" type="datetimeFigureOut">
               <a:rPr lang="en-US" smtClean="0"/>
-              <a:t>7/18/2016</a:t>
+              <a:t>1/13/2020</a:t>
             </a:fld>
             <a:endParaRPr lang="en-US"/>
           </a:p>
@@ -3464,7 +3464,7 @@
           <a:p>
             <a:fld id="{432453BA-0569-40C3-A706-DBA2E5C1A0FB}" type="datetimeFigureOut">
               <a:rPr lang="en-US" smtClean="0"/>
-              <a:t>7/18/2016</a:t>
+              <a:t>1/13/2020</a:t>
             </a:fld>
             <a:endParaRPr lang="en-US"/>
           </a:p>
@@ -3711,7 +3711,7 @@
           <a:p>
             <a:fld id="{432453BA-0569-40C3-A706-DBA2E5C1A0FB}" type="datetimeFigureOut">
               <a:rPr lang="en-US" smtClean="0"/>
-              <a:t>7/18/2016</a:t>
+              <a:t>1/13/2020</a:t>
             </a:fld>
             <a:endParaRPr lang="en-US"/>
           </a:p>
@@ -4003,7 +4003,7 @@
           <a:p>
             <a:fld id="{432453BA-0569-40C3-A706-DBA2E5C1A0FB}" type="datetimeFigureOut">
               <a:rPr lang="en-US" smtClean="0"/>
-              <a:t>7/18/2016</a:t>
+              <a:t>1/13/2020</a:t>
             </a:fld>
             <a:endParaRPr lang="en-US"/>
           </a:p>
@@ -4447,7 +4447,7 @@
           <a:p>
             <a:fld id="{432453BA-0569-40C3-A706-DBA2E5C1A0FB}" type="datetimeFigureOut">
               <a:rPr lang="en-US" smtClean="0"/>
-              <a:t>7/18/2016</a:t>
+              <a:t>1/13/2020</a:t>
             </a:fld>
             <a:endParaRPr lang="en-US"/>
           </a:p>
@@ -4565,7 +4565,7 @@
           <a:p>
             <a:fld id="{432453BA-0569-40C3-A706-DBA2E5C1A0FB}" type="datetimeFigureOut">
               <a:rPr lang="en-US" smtClean="0"/>
-              <a:t>7/18/2016</a:t>
+              <a:t>1/13/2020</a:t>
             </a:fld>
             <a:endParaRPr lang="en-US"/>
           </a:p>
@@ -4660,7 +4660,7 @@
           <a:p>
             <a:fld id="{432453BA-0569-40C3-A706-DBA2E5C1A0FB}" type="datetimeFigureOut">
               <a:rPr lang="en-US" smtClean="0"/>
-              <a:t>7/18/2016</a:t>
+              <a:t>1/13/2020</a:t>
             </a:fld>
             <a:endParaRPr lang="en-US"/>
           </a:p>
@@ -4939,7 +4939,7 @@
           <a:p>
             <a:fld id="{432453BA-0569-40C3-A706-DBA2E5C1A0FB}" type="datetimeFigureOut">
               <a:rPr lang="en-US" smtClean="0"/>
-              <a:t>7/18/2016</a:t>
+              <a:t>1/13/2020</a:t>
             </a:fld>
             <a:endParaRPr lang="en-US"/>
           </a:p>
@@ -5214,7 +5214,7 @@
           <a:p>
             <a:fld id="{432453BA-0569-40C3-A706-DBA2E5C1A0FB}" type="datetimeFigureOut">
               <a:rPr lang="en-US" smtClean="0"/>
-              <a:t>7/18/2016</a:t>
+              <a:t>1/13/2020</a:t>
             </a:fld>
             <a:endParaRPr lang="en-US"/>
           </a:p>
@@ -5643,7 +5643,7 @@
           <a:p>
             <a:fld id="{432453BA-0569-40C3-A706-DBA2E5C1A0FB}" type="datetimeFigureOut">
               <a:rPr lang="en-US" smtClean="0"/>
-              <a:t>7/18/2016</a:t>
+              <a:t>1/13/2020</a:t>
             </a:fld>
             <a:endParaRPr lang="en-US"/>
           </a:p>
@@ -6188,11 +6188,7 @@
           <a:p>
             <a:r>
               <a:rPr lang="hu-HU" b="1" dirty="0" smtClean="0"/>
-              <a:t>LINKED </a:t>
-            </a:r>
-            <a:r>
-              <a:rPr lang="hu-HU" b="1" dirty="0" smtClean="0"/>
-              <a:t>LISTS</a:t>
+              <a:t>LINKED LISTS</a:t>
             </a:r>
             <a:endParaRPr lang="en-US" b="1" dirty="0"/>
           </a:p>
@@ -6215,11 +6211,7 @@
           <a:p>
             <a:r>
               <a:rPr lang="hu-HU" dirty="0" smtClean="0"/>
-              <a:t>LINKED </a:t>
-            </a:r>
-            <a:r>
-              <a:rPr lang="hu-HU" dirty="0" smtClean="0"/>
-              <a:t>LISTS</a:t>
+              <a:t>LINKED LISTS</a:t>
             </a:r>
             <a:endParaRPr lang="en-US" dirty="0"/>
           </a:p>
@@ -18080,26 +18072,17 @@
           <a:p>
             <a:r>
               <a:rPr lang="hu-HU" dirty="0" smtClean="0"/>
-              <a:t>class </a:t>
-            </a:r>
+              <a:t>class Node {</a:t>
+            </a:r>
+          </a:p>
+          <a:p>
+            <a:endParaRPr lang="hu-HU" dirty="0" smtClean="0"/>
+          </a:p>
+          <a:p>
             <a:r>
               <a:rPr lang="hu-HU" dirty="0" smtClean="0"/>
-              <a:t>Node {</a:t>
-            </a:r>
-          </a:p>
-          <a:p>
-            <a:endParaRPr lang="hu-HU" dirty="0" smtClean="0"/>
-          </a:p>
-          <a:p>
-            <a:r>
-              <a:rPr lang="hu-HU" dirty="0" smtClean="0"/>
-              <a:t>	</a:t>
-            </a:r>
-            <a:r>
-              <a:rPr lang="hu-HU" dirty="0" smtClean="0"/>
-              <a:t>data</a:t>
-            </a:r>
-            <a:endParaRPr lang="hu-HU" dirty="0" smtClean="0"/>
+              <a:t>	data</a:t>
+            </a:r>
           </a:p>
           <a:p>
             <a:r>
@@ -18110,7 +18093,6 @@
               <a:rPr lang="hu-HU" dirty="0" smtClean="0"/>
               <a:t>Node nextNode</a:t>
             </a:r>
-            <a:endParaRPr lang="hu-HU" dirty="0" smtClean="0"/>
           </a:p>
           <a:p>
             <a:endParaRPr lang="hu-HU" dirty="0"/>
@@ -28107,9 +28089,27 @@
                 <a:tableStyleId>{7DF18680-E054-41AD-8BC1-D1AEF772440D}</a:tableStyleId>
               </a:tblPr>
               <a:tblGrid>
-                <a:gridCol w="2709333"/>
-                <a:gridCol w="2709333"/>
-                <a:gridCol w="2709333"/>
+                <a:gridCol w="2709333">
+                  <a:extLst>
+                    <a:ext uri="{9D8B030D-6E8A-4147-A177-3AD203B41FA5}">
+                      <a16:colId xmlns:a16="http://schemas.microsoft.com/office/drawing/2014/main" val="20000"/>
+                    </a:ext>
+                  </a:extLst>
+                </a:gridCol>
+                <a:gridCol w="2709333">
+                  <a:extLst>
+                    <a:ext uri="{9D8B030D-6E8A-4147-A177-3AD203B41FA5}">
+                      <a16:colId xmlns:a16="http://schemas.microsoft.com/office/drawing/2014/main" val="20001"/>
+                    </a:ext>
+                  </a:extLst>
+                </a:gridCol>
+                <a:gridCol w="2709333">
+                  <a:extLst>
+                    <a:ext uri="{9D8B030D-6E8A-4147-A177-3AD203B41FA5}">
+                      <a16:colId xmlns:a16="http://schemas.microsoft.com/office/drawing/2014/main" val="20002"/>
+                    </a:ext>
+                  </a:extLst>
+                </a:gridCol>
               </a:tblGrid>
               <a:tr h="370840">
                 <a:tc>
@@ -28153,6 +28153,11 @@
                   </a:txBody>
                   <a:tcPr/>
                 </a:tc>
+                <a:extLst>
+                  <a:ext uri="{0D108BD9-81ED-4DB2-BD59-A6C34878D82A}">
+                    <a16:rowId xmlns:a16="http://schemas.microsoft.com/office/drawing/2014/main" val="10000"/>
+                  </a:ext>
+                </a:extLst>
               </a:tr>
               <a:tr h="370840">
                 <a:tc>
@@ -28204,6 +28209,11 @@
                   </a:txBody>
                   <a:tcPr/>
                 </a:tc>
+                <a:extLst>
+                  <a:ext uri="{0D108BD9-81ED-4DB2-BD59-A6C34878D82A}">
+                    <a16:rowId xmlns:a16="http://schemas.microsoft.com/office/drawing/2014/main" val="10001"/>
+                  </a:ext>
+                </a:extLst>
               </a:tr>
               <a:tr h="370840">
                 <a:tc>
@@ -28251,6 +28261,11 @@
                   </a:txBody>
                   <a:tcPr/>
                 </a:tc>
+                <a:extLst>
+                  <a:ext uri="{0D108BD9-81ED-4DB2-BD59-A6C34878D82A}">
+                    <a16:rowId xmlns:a16="http://schemas.microsoft.com/office/drawing/2014/main" val="10002"/>
+                  </a:ext>
+                </a:extLst>
               </a:tr>
               <a:tr h="370840">
                 <a:tc>
@@ -28302,6 +28317,11 @@
                   </a:txBody>
                   <a:tcPr/>
                 </a:tc>
+                <a:extLst>
+                  <a:ext uri="{0D108BD9-81ED-4DB2-BD59-A6C34878D82A}">
+                    <a16:rowId xmlns:a16="http://schemas.microsoft.com/office/drawing/2014/main" val="10003"/>
+                  </a:ext>
+                </a:extLst>
               </a:tr>
               <a:tr h="370840">
                 <a:tc>
@@ -28349,6 +28369,11 @@
                   </a:txBody>
                   <a:tcPr/>
                 </a:tc>
+                <a:extLst>
+                  <a:ext uri="{0D108BD9-81ED-4DB2-BD59-A6C34878D82A}">
+                    <a16:rowId xmlns:a16="http://schemas.microsoft.com/office/drawing/2014/main" val="10004"/>
+                  </a:ext>
+                </a:extLst>
               </a:tr>
             </a:tbl>
           </a:graphicData>
